--- a/test_files/document_formats/powerpoint.pptx
+++ b/test_files/document_formats/powerpoint.pptx
@@ -5,7 +5,9 @@
     <p:sldMasterId id="2147483648" r:id="rId1"/>
   </p:sldMasterIdLst>
   <p:sldIdLst>
-    <p:sldId id="256" r:id="rId2"/>
+    <p:sldId id="259" r:id="rId2"/>
+    <p:sldId id="257" r:id="rId3"/>
+    <p:sldId id="258" r:id="rId4"/>
   </p:sldIdLst>
   <p:sldSz cx="12192000" cy="6858000"/>
   <p:notesSz cx="6858000" cy="9144000"/>
@@ -104,6 +106,11 @@
       </a:defRPr>
     </a:lvl9pPr>
   </p:defaultTextStyle>
+  <p:extLst>
+    <p:ext uri="{EFAFB233-063F-42B5-8137-9DF3F51BA10A}">
+      <p15:sldGuideLst xmlns:p15="http://schemas.microsoft.com/office/powerpoint/2012/main"/>
+    </p:ext>
+  </p:extLst>
 </p:presentation>
 </file>
 
@@ -3323,79 +3330,296 @@
       </p:grpSpPr>
       <p:sp>
         <p:nvSpPr>
-          <p:cNvPr id="3" name="Subtitle 2">
-            <a:extLst>
-              <a:ext uri="{FF2B5EF4-FFF2-40B4-BE49-F238E27FC236}">
-                <a16:creationId xmlns:a16="http://schemas.microsoft.com/office/drawing/2014/main" id="{C619C237-AA52-8543-A7EF-532AEB0F2E13}"/>
-              </a:ext>
-            </a:extLst>
-          </p:cNvPr>
-          <p:cNvSpPr>
-            <a:spLocks noGrp="1"/>
-          </p:cNvSpPr>
-          <p:nvPr>
-            <p:ph type="subTitle" idx="1"/>
-          </p:nvPr>
-        </p:nvSpPr>
-        <p:spPr>
-          <a:xfrm>
-            <a:off x="1103586" y="648630"/>
-            <a:ext cx="9144000" cy="5678597"/>
-          </a:xfrm>
-        </p:spPr>
-        <p:txBody>
-          <a:bodyPr>
-            <a:normAutofit fontScale="85000" lnSpcReduction="20000"/>
-          </a:bodyPr>
-          <a:lstStyle/>
-          <a:p>
-            <a:pPr algn="l"/>
-            <a:r>
-              <a:rPr lang="en-US" b="1" dirty="0"/>
-              <a:t>HTML Ipsum Presents</a:t>
-            </a:r>
-          </a:p>
-          <a:p>
-            <a:pPr algn="l"/>
-            <a:r>
-              <a:rPr lang="en-US" b="1" dirty="0" err="1"/>
-              <a:t>Pellentesque</a:t>
-            </a:r>
-            <a:r>
-              <a:rPr lang="en-US" b="1" dirty="0"/>
-              <a:t> habitant </a:t>
-            </a:r>
-            <a:r>
-              <a:rPr lang="en-US" b="1" dirty="0" err="1"/>
-              <a:t>morbi</a:t>
-            </a:r>
-            <a:r>
-              <a:rPr lang="en-US" b="1" dirty="0"/>
+          <p:cNvPr id="2" name="Title 1">
+            <a:extLst>
+              <a:ext uri="{FF2B5EF4-FFF2-40B4-BE49-F238E27FC236}">
+                <a16:creationId xmlns:a16="http://schemas.microsoft.com/office/drawing/2014/main" id="{5E194EBD-0AEB-B949-8DEA-F0B8430AC00B}"/>
+              </a:ext>
+            </a:extLst>
+          </p:cNvPr>
+          <p:cNvSpPr>
+            <a:spLocks noGrp="1"/>
+          </p:cNvSpPr>
+          <p:nvPr>
+            <p:ph type="title"/>
+          </p:nvPr>
+        </p:nvSpPr>
+        <p:spPr/>
+        <p:txBody>
+          <a:bodyPr/>
+          <a:lstStyle/>
+          <a:p>
+            <a:r>
+              <a:rPr lang="en-US" dirty="0"/>
+              <a:t>A generic </a:t>
+            </a:r>
+            <a:r>
+              <a:rPr lang="en-US" dirty="0" err="1"/>
+              <a:t>powerpoint</a:t>
+            </a:r>
+            <a:r>
+              <a:rPr lang="en-US" dirty="0"/>
+              <a:t> slide</a:t>
+            </a:r>
+          </a:p>
+        </p:txBody>
+      </p:sp>
+      <p:sp>
+        <p:nvSpPr>
+          <p:cNvPr id="3" name="Content Placeholder 2">
+            <a:extLst>
+              <a:ext uri="{FF2B5EF4-FFF2-40B4-BE49-F238E27FC236}">
+                <a16:creationId xmlns:a16="http://schemas.microsoft.com/office/drawing/2014/main" id="{3B0669E9-760D-3746-9FFC-DE42FA03D9DE}"/>
+              </a:ext>
+            </a:extLst>
+          </p:cNvPr>
+          <p:cNvSpPr>
+            <a:spLocks noGrp="1"/>
+          </p:cNvSpPr>
+          <p:nvPr>
+            <p:ph idx="1"/>
+          </p:nvPr>
+        </p:nvSpPr>
+        <p:spPr/>
+        <p:txBody>
+          <a:bodyPr/>
+          <a:lstStyle/>
+          <a:p>
+            <a:r>
+              <a:rPr lang="en-US" dirty="0"/>
+              <a:t>Lorem ipsum dolor sit </a:t>
+            </a:r>
+            <a:r>
+              <a:rPr lang="en-US" dirty="0" err="1"/>
+              <a:t>amet</a:t>
+            </a:r>
+            <a:r>
+              <a:rPr lang="en-US" dirty="0"/>
+              <a:t>, </a:t>
+            </a:r>
+            <a:r>
+              <a:rPr lang="en-US" dirty="0" err="1"/>
+              <a:t>consectetuer</a:t>
+            </a:r>
+            <a:r>
+              <a:rPr lang="en-US" dirty="0"/>
               <a:t> </a:t>
             </a:r>
             <a:r>
-              <a:rPr lang="en-US" b="1" dirty="0" err="1"/>
-              <a:t>tristique</a:t>
+              <a:rPr lang="en-US" dirty="0" err="1"/>
+              <a:t>adipiscing</a:t>
             </a:r>
             <a:r>
               <a:rPr lang="en-US" dirty="0"/>
-              <a:t> </a:t>
+              <a:t> </a:t>
             </a:r>
             <a:r>
               <a:rPr lang="en-US" dirty="0" err="1"/>
-              <a:t>senectus</a:t>
+              <a:t>elit</a:t>
             </a:r>
             <a:r>
               <a:rPr lang="en-US" dirty="0"/>
-              <a:t> et </a:t>
-            </a:r>
+              <a:t>.</a:t>
+            </a:r>
+          </a:p>
+          <a:p>
             <a:r>
               <a:rPr lang="en-US" dirty="0" err="1"/>
-              <a:t>netus</a:t>
+              <a:t>Aliquam</a:t>
             </a:r>
             <a:r>
               <a:rPr lang="en-US" dirty="0"/>
-              <a:t> et </a:t>
+              <a:t> </a:t>
+            </a:r>
+            <a:r>
+              <a:rPr lang="en-US" dirty="0" err="1"/>
+              <a:t>tincidunt</a:t>
+            </a:r>
+            <a:r>
+              <a:rPr lang="en-US" dirty="0"/>
+              <a:t> </a:t>
+            </a:r>
+            <a:r>
+              <a:rPr lang="en-US" dirty="0" err="1"/>
+              <a:t>mauris</a:t>
+            </a:r>
+            <a:r>
+              <a:rPr lang="en-US" dirty="0"/>
+              <a:t> </a:t>
+            </a:r>
+            <a:r>
+              <a:rPr lang="en-US" dirty="0" err="1"/>
+              <a:t>eu</a:t>
+            </a:r>
+            <a:r>
+              <a:rPr lang="en-US" dirty="0"/>
+              <a:t> </a:t>
+            </a:r>
+            <a:r>
+              <a:rPr lang="en-US" dirty="0" err="1"/>
+              <a:t>risus</a:t>
+            </a:r>
+            <a:r>
+              <a:rPr lang="en-US" dirty="0"/>
+              <a:t>.</a:t>
+            </a:r>
+          </a:p>
+          <a:p>
+            <a:r>
+              <a:rPr lang="en-US" dirty="0"/>
+              <a:t>Lorem ipsum dolor sit </a:t>
+            </a:r>
+            <a:r>
+              <a:rPr lang="en-US" dirty="0" err="1"/>
+              <a:t>amet</a:t>
+            </a:r>
+            <a:r>
+              <a:rPr lang="en-US" dirty="0"/>
+              <a:t>, </a:t>
+            </a:r>
+            <a:r>
+              <a:rPr lang="en-US" dirty="0" err="1"/>
+              <a:t>consectetur</a:t>
+            </a:r>
+            <a:r>
+              <a:rPr lang="en-US" dirty="0"/>
+              <a:t> </a:t>
+            </a:r>
+            <a:r>
+              <a:rPr lang="en-US" dirty="0" err="1"/>
+              <a:t>adipiscing</a:t>
+            </a:r>
+            <a:r>
+              <a:rPr lang="en-US" dirty="0"/>
+              <a:t> </a:t>
+            </a:r>
+            <a:r>
+              <a:rPr lang="en-US" dirty="0" err="1"/>
+              <a:t>elit</a:t>
+            </a:r>
+            <a:r>
+              <a:rPr lang="en-US" dirty="0"/>
+              <a:t>. </a:t>
+            </a:r>
+            <a:r>
+              <a:rPr lang="en-US" dirty="0" err="1"/>
+              <a:t>Vivamus</a:t>
+            </a:r>
+            <a:r>
+              <a:rPr lang="en-US" dirty="0"/>
+              <a:t> magna. Cras in mi at </a:t>
+            </a:r>
+            <a:r>
+              <a:rPr lang="en-US" dirty="0" err="1"/>
+              <a:t>felis</a:t>
+            </a:r>
+            <a:r>
+              <a:rPr lang="en-US" dirty="0"/>
+              <a:t> </a:t>
+            </a:r>
+            <a:r>
+              <a:rPr lang="en-US" dirty="0" err="1"/>
+              <a:t>aliquet</a:t>
+            </a:r>
+            <a:r>
+              <a:rPr lang="en-US" dirty="0"/>
+              <a:t> </a:t>
+            </a:r>
+            <a:r>
+              <a:rPr lang="en-US" dirty="0" err="1"/>
+              <a:t>congue</a:t>
+            </a:r>
+            <a:r>
+              <a:rPr lang="en-US" dirty="0"/>
+              <a:t>. Ut a </a:t>
+            </a:r>
+            <a:r>
+              <a:rPr lang="en-US" dirty="0" err="1"/>
+              <a:t>est</a:t>
+            </a:r>
+            <a:r>
+              <a:rPr lang="en-US" dirty="0"/>
+              <a:t> </a:t>
+            </a:r>
+            <a:r>
+              <a:rPr lang="en-US" dirty="0" err="1"/>
+              <a:t>eget</a:t>
+            </a:r>
+            <a:r>
+              <a:rPr lang="en-US" dirty="0"/>
+              <a:t> ligula </a:t>
+            </a:r>
+            <a:r>
+              <a:rPr lang="en-US" dirty="0" err="1"/>
+              <a:t>molestie</a:t>
+            </a:r>
+            <a:r>
+              <a:rPr lang="en-US" dirty="0"/>
+              <a:t> gravida. </a:t>
+            </a:r>
+            <a:r>
+              <a:rPr lang="en-US" dirty="0" err="1"/>
+              <a:t>Curabitur</a:t>
+            </a:r>
+            <a:r>
+              <a:rPr lang="en-US" dirty="0"/>
+              <a:t> </a:t>
+            </a:r>
+            <a:r>
+              <a:rPr lang="en-US" dirty="0" err="1"/>
+              <a:t>massa</a:t>
+            </a:r>
+            <a:r>
+              <a:rPr lang="en-US" dirty="0"/>
+              <a:t>. </a:t>
+            </a:r>
+            <a:r>
+              <a:rPr lang="en-US" dirty="0" err="1"/>
+              <a:t>Donec</a:t>
+            </a:r>
+            <a:r>
+              <a:rPr lang="en-US" dirty="0"/>
+              <a:t> </a:t>
+            </a:r>
+            <a:r>
+              <a:rPr lang="en-US" dirty="0" err="1"/>
+              <a:t>eleifend</a:t>
+            </a:r>
+            <a:r>
+              <a:rPr lang="en-US" dirty="0"/>
+              <a:t>, libero at </a:t>
+            </a:r>
+            <a:r>
+              <a:rPr lang="en-US" dirty="0" err="1"/>
+              <a:t>sagittis</a:t>
+            </a:r>
+            <a:r>
+              <a:rPr lang="en-US" dirty="0"/>
+              <a:t> </a:t>
+            </a:r>
+            <a:r>
+              <a:rPr lang="en-US" dirty="0" err="1"/>
+              <a:t>mollis</a:t>
+            </a:r>
+            <a:r>
+              <a:rPr lang="en-US" dirty="0"/>
+              <a:t>, </a:t>
+            </a:r>
+            <a:r>
+              <a:rPr lang="en-US" dirty="0" err="1"/>
+              <a:t>tellus</a:t>
+            </a:r>
+            <a:r>
+              <a:rPr lang="en-US" dirty="0"/>
+              <a:t> </a:t>
+            </a:r>
+            <a:r>
+              <a:rPr lang="en-US" dirty="0" err="1"/>
+              <a:t>est</a:t>
+            </a:r>
+            <a:r>
+              <a:rPr lang="en-US" dirty="0"/>
+              <a:t> </a:t>
             </a:r>
             <a:r>
               <a:rPr lang="en-US" dirty="0" err="1"/>
@@ -3403,7 +3627,23 @@
             </a:r>
             <a:r>
               <a:rPr lang="en-US" dirty="0"/>
-              <a:t> fames ac </a:t>
+              <a:t> </a:t>
+            </a:r>
+            <a:r>
+              <a:rPr lang="en-US" dirty="0" err="1"/>
+              <a:t>tellus</a:t>
+            </a:r>
+            <a:r>
+              <a:rPr lang="en-US" dirty="0"/>
+              <a:t>, at </a:t>
+            </a:r>
+            <a:r>
+              <a:rPr lang="en-US" dirty="0" err="1"/>
+              <a:t>luctus</a:t>
+            </a:r>
+            <a:r>
+              <a:rPr lang="en-US" dirty="0"/>
+              <a:t> </a:t>
             </a:r>
             <a:r>
               <a:rPr lang="en-US" dirty="0" err="1"/>
@@ -3415,15 +3655,15 @@
             </a:r>
             <a:r>
               <a:rPr lang="en-US" dirty="0" err="1"/>
-              <a:t>egestas</a:t>
+              <a:t>elit</a:t>
             </a:r>
             <a:r>
               <a:rPr lang="en-US" dirty="0"/>
-              <a:t>. Vestibulum </a:t>
+              <a:t> sit </a:t>
             </a:r>
             <a:r>
               <a:rPr lang="en-US" dirty="0" err="1"/>
-              <a:t>tortor</a:t>
+              <a:t>amet</a:t>
             </a:r>
             <a:r>
               <a:rPr lang="en-US" dirty="0"/>
@@ -3435,19 +3675,11 @@
             </a:r>
             <a:r>
               <a:rPr lang="en-US" dirty="0"/>
-              <a:t>, </a:t>
+              <a:t>. </a:t>
             </a:r>
             <a:r>
               <a:rPr lang="en-US" dirty="0" err="1"/>
-              <a:t>feugiat</a:t>
-            </a:r>
-            <a:r>
-              <a:rPr lang="en-US" dirty="0"/>
-              <a:t> vitae, </a:t>
-            </a:r>
-            <a:r>
-              <a:rPr lang="en-US" dirty="0" err="1"/>
-              <a:t>ultricies</a:t>
+              <a:t>Vivamus</a:t>
             </a:r>
             <a:r>
               <a:rPr lang="en-US" dirty="0"/>
@@ -3455,31 +3687,7 @@
             </a:r>
             <a:r>
               <a:rPr lang="en-US" dirty="0" err="1"/>
-              <a:t>eget</a:t>
-            </a:r>
-            <a:r>
-              <a:rPr lang="en-US" dirty="0"/>
-              <a:t>, </a:t>
-            </a:r>
-            <a:r>
-              <a:rPr lang="en-US" dirty="0" err="1"/>
-              <a:t>tempor</a:t>
-            </a:r>
-            <a:r>
-              <a:rPr lang="en-US" dirty="0"/>
-              <a:t> sit </a:t>
-            </a:r>
-            <a:r>
-              <a:rPr lang="en-US" dirty="0" err="1"/>
-              <a:t>amet</a:t>
-            </a:r>
-            <a:r>
-              <a:rPr lang="en-US" dirty="0"/>
-              <a:t>, ante. </a:t>
-            </a:r>
-            <a:r>
-              <a:rPr lang="en-US" dirty="0" err="1"/>
-              <a:t>Donec</a:t>
+              <a:t>pretium</a:t>
             </a:r>
             <a:r>
               <a:rPr lang="en-US" dirty="0"/>
@@ -3487,628 +3695,6 @@
             </a:r>
             <a:r>
               <a:rPr lang="en-US" dirty="0" err="1"/>
-              <a:t>eu</a:t>
-            </a:r>
-            <a:r>
-              <a:rPr lang="en-US" dirty="0"/>
-              <a:t> libero sit </a:t>
-            </a:r>
-            <a:r>
-              <a:rPr lang="en-US" dirty="0" err="1"/>
-              <a:t>amet</a:t>
-            </a:r>
-            <a:r>
-              <a:rPr lang="en-US" dirty="0"/>
-              <a:t> </a:t>
-            </a:r>
-            <a:r>
-              <a:rPr lang="en-US" dirty="0" err="1"/>
-              <a:t>quam</a:t>
-            </a:r>
-            <a:r>
-              <a:rPr lang="en-US" dirty="0"/>
-              <a:t> </a:t>
-            </a:r>
-            <a:r>
-              <a:rPr lang="en-US" dirty="0" err="1"/>
-              <a:t>egestas</a:t>
-            </a:r>
-            <a:r>
-              <a:rPr lang="en-US" dirty="0"/>
-              <a:t> semper. </a:t>
-            </a:r>
-            <a:r>
-              <a:rPr lang="en-US" i="1" dirty="0" err="1"/>
-              <a:t>Aenean</a:t>
-            </a:r>
-            <a:r>
-              <a:rPr lang="en-US" i="1" dirty="0"/>
-              <a:t> </a:t>
-            </a:r>
-            <a:r>
-              <a:rPr lang="en-US" i="1" dirty="0" err="1"/>
-              <a:t>ultricies</a:t>
-            </a:r>
-            <a:r>
-              <a:rPr lang="en-US" i="1" dirty="0"/>
-              <a:t> mi vitae est.</a:t>
-            </a:r>
-            <a:r>
-              <a:rPr lang="en-US" dirty="0"/>
-              <a:t> </a:t>
-            </a:r>
-            <a:r>
-              <a:rPr lang="en-US" dirty="0" err="1"/>
-              <a:t>Mauris</a:t>
-            </a:r>
-            <a:r>
-              <a:rPr lang="en-US" dirty="0"/>
-              <a:t> </a:t>
-            </a:r>
-            <a:r>
-              <a:rPr lang="en-US" dirty="0" err="1"/>
-              <a:t>placerat</a:t>
-            </a:r>
-            <a:r>
-              <a:rPr lang="en-US" dirty="0"/>
-              <a:t> </a:t>
-            </a:r>
-            <a:r>
-              <a:rPr lang="en-US" dirty="0" err="1"/>
-              <a:t>eleifend</a:t>
-            </a:r>
-            <a:r>
-              <a:rPr lang="en-US" dirty="0"/>
-              <a:t> </a:t>
-            </a:r>
-            <a:r>
-              <a:rPr lang="en-US" dirty="0" err="1"/>
-              <a:t>leo</a:t>
-            </a:r>
-            <a:r>
-              <a:rPr lang="en-US" dirty="0"/>
-              <a:t>. </a:t>
-            </a:r>
-            <a:r>
-              <a:rPr lang="en-US" dirty="0" err="1"/>
-              <a:t>Quisque</a:t>
-            </a:r>
-            <a:r>
-              <a:rPr lang="en-US" dirty="0"/>
-              <a:t> sit </a:t>
-            </a:r>
-            <a:r>
-              <a:rPr lang="en-US" dirty="0" err="1"/>
-              <a:t>amet</a:t>
-            </a:r>
-            <a:r>
-              <a:rPr lang="en-US" dirty="0"/>
-              <a:t> </a:t>
-            </a:r>
-            <a:r>
-              <a:rPr lang="en-US" dirty="0" err="1"/>
-              <a:t>est</a:t>
-            </a:r>
-            <a:r>
-              <a:rPr lang="en-US" dirty="0"/>
-              <a:t> et </a:t>
-            </a:r>
-            <a:r>
-              <a:rPr lang="en-US" dirty="0" err="1"/>
-              <a:t>sapien</a:t>
-            </a:r>
-            <a:r>
-              <a:rPr lang="en-US" dirty="0"/>
-              <a:t> </a:t>
-            </a:r>
-            <a:r>
-              <a:rPr lang="en-US" dirty="0" err="1"/>
-              <a:t>ullamcorper</a:t>
-            </a:r>
-            <a:r>
-              <a:rPr lang="en-US" dirty="0"/>
-              <a:t> pharetra. Vestibulum </a:t>
-            </a:r>
-            <a:r>
-              <a:rPr lang="en-US" dirty="0" err="1"/>
-              <a:t>erat</a:t>
-            </a:r>
-            <a:r>
-              <a:rPr lang="en-US" dirty="0"/>
-              <a:t> </a:t>
-            </a:r>
-            <a:r>
-              <a:rPr lang="en-US" dirty="0" err="1"/>
-              <a:t>wisi</a:t>
-            </a:r>
-            <a:r>
-              <a:rPr lang="en-US" dirty="0"/>
-              <a:t>, </a:t>
-            </a:r>
-            <a:r>
-              <a:rPr lang="en-US" dirty="0" err="1"/>
-              <a:t>condimentum</a:t>
-            </a:r>
-            <a:r>
-              <a:rPr lang="en-US" dirty="0"/>
-              <a:t> sed, </a:t>
-            </a:r>
-            <a:r>
-              <a:rPr lang="en-US" dirty="0" err="1"/>
-              <a:t>commodo</a:t>
-            </a:r>
-            <a:r>
-              <a:rPr lang="en-US" dirty="0"/>
-              <a:t> vitae, </a:t>
-            </a:r>
-            <a:r>
-              <a:rPr lang="en-US" dirty="0" err="1"/>
-              <a:t>ornare</a:t>
-            </a:r>
-            <a:r>
-              <a:rPr lang="en-US" dirty="0"/>
-              <a:t> sit </a:t>
-            </a:r>
-            <a:r>
-              <a:rPr lang="en-US" dirty="0" err="1"/>
-              <a:t>amet</a:t>
-            </a:r>
-            <a:r>
-              <a:rPr lang="en-US" dirty="0"/>
-              <a:t>, </a:t>
-            </a:r>
-            <a:r>
-              <a:rPr lang="en-US" dirty="0" err="1"/>
-              <a:t>wisi</a:t>
-            </a:r>
-            <a:r>
-              <a:rPr lang="en-US" dirty="0"/>
-              <a:t>. </a:t>
-            </a:r>
-            <a:r>
-              <a:rPr lang="en-US" dirty="0" err="1"/>
-              <a:t>Aenean</a:t>
-            </a:r>
-            <a:r>
-              <a:rPr lang="en-US" dirty="0"/>
-              <a:t> fermentum, </a:t>
-            </a:r>
-            <a:r>
-              <a:rPr lang="en-US" dirty="0" err="1"/>
-              <a:t>elit</a:t>
-            </a:r>
-            <a:r>
-              <a:rPr lang="en-US" dirty="0"/>
-              <a:t> </a:t>
-            </a:r>
-            <a:r>
-              <a:rPr lang="en-US" dirty="0" err="1"/>
-              <a:t>eget</a:t>
-            </a:r>
-            <a:r>
-              <a:rPr lang="en-US" dirty="0"/>
-              <a:t> </a:t>
-            </a:r>
-            <a:r>
-              <a:rPr lang="en-US" dirty="0" err="1"/>
-              <a:t>tincidunt</a:t>
-            </a:r>
-            <a:r>
-              <a:rPr lang="en-US" dirty="0"/>
-              <a:t> </a:t>
-            </a:r>
-            <a:r>
-              <a:rPr lang="en-US" dirty="0" err="1"/>
-              <a:t>condimentum</a:t>
-            </a:r>
-            <a:r>
-              <a:rPr lang="en-US" dirty="0"/>
-              <a:t>, </a:t>
-            </a:r>
-            <a:r>
-              <a:rPr lang="en-US" dirty="0" err="1"/>
-              <a:t>eros</a:t>
-            </a:r>
-            <a:r>
-              <a:rPr lang="en-US" dirty="0"/>
-              <a:t> ipsum </a:t>
-            </a:r>
-            <a:r>
-              <a:rPr lang="en-US" dirty="0" err="1"/>
-              <a:t>rutrum</a:t>
-            </a:r>
-            <a:r>
-              <a:rPr lang="en-US" dirty="0"/>
-              <a:t> </a:t>
-            </a:r>
-            <a:r>
-              <a:rPr lang="en-US" dirty="0" err="1"/>
-              <a:t>orci</a:t>
-            </a:r>
-            <a:r>
-              <a:rPr lang="en-US" dirty="0"/>
-              <a:t>, </a:t>
-            </a:r>
-            <a:r>
-              <a:rPr lang="en-US" dirty="0" err="1"/>
-              <a:t>sagittis</a:t>
-            </a:r>
-            <a:r>
-              <a:rPr lang="en-US" dirty="0"/>
-              <a:t> tempus </a:t>
-            </a:r>
-            <a:r>
-              <a:rPr lang="en-US" dirty="0" err="1"/>
-              <a:t>lacus</a:t>
-            </a:r>
-            <a:r>
-              <a:rPr lang="en-US" dirty="0"/>
-              <a:t> </a:t>
-            </a:r>
-            <a:r>
-              <a:rPr lang="en-US" dirty="0" err="1"/>
-              <a:t>enim</a:t>
-            </a:r>
-            <a:r>
-              <a:rPr lang="en-US" dirty="0"/>
-              <a:t> ac dui. </a:t>
-            </a:r>
-            <a:r>
-              <a:rPr lang="en-US" dirty="0">
-                <a:hlinkClick r:id=""/>
-              </a:rPr>
-              <a:t>Donec non enim</a:t>
-            </a:r>
-            <a:r>
-              <a:rPr lang="en-US" dirty="0"/>
-              <a:t> in </a:t>
-            </a:r>
-            <a:r>
-              <a:rPr lang="en-US" dirty="0" err="1"/>
-              <a:t>turpis</a:t>
-            </a:r>
-            <a:r>
-              <a:rPr lang="en-US" dirty="0"/>
-              <a:t> pulvinar </a:t>
-            </a:r>
-            <a:r>
-              <a:rPr lang="en-US" dirty="0" err="1"/>
-              <a:t>facilisis</a:t>
-            </a:r>
-            <a:r>
-              <a:rPr lang="en-US" dirty="0"/>
-              <a:t>. Ut </a:t>
-            </a:r>
-            <a:r>
-              <a:rPr lang="en-US" dirty="0" err="1"/>
-              <a:t>felis</a:t>
-            </a:r>
-            <a:r>
-              <a:rPr lang="en-US" dirty="0"/>
-              <a:t>.</a:t>
-            </a:r>
-          </a:p>
-          <a:p>
-            <a:pPr algn="l"/>
-            <a:r>
-              <a:rPr lang="en-US" b="1" dirty="0"/>
-              <a:t>Header Level 2</a:t>
-            </a:r>
-          </a:p>
-          <a:p>
-            <a:pPr algn="l"/>
-            <a:r>
-              <a:rPr lang="en-US" dirty="0"/>
-              <a:t>Lorem ipsum dolor sit </a:t>
-            </a:r>
-            <a:r>
-              <a:rPr lang="en-US" dirty="0" err="1"/>
-              <a:t>amet</a:t>
-            </a:r>
-            <a:r>
-              <a:rPr lang="en-US" dirty="0"/>
-              <a:t>, </a:t>
-            </a:r>
-            <a:r>
-              <a:rPr lang="en-US" dirty="0" err="1"/>
-              <a:t>consectetuer</a:t>
-            </a:r>
-            <a:r>
-              <a:rPr lang="en-US" dirty="0"/>
-              <a:t> </a:t>
-            </a:r>
-            <a:r>
-              <a:rPr lang="en-US" dirty="0" err="1"/>
-              <a:t>adipiscing</a:t>
-            </a:r>
-            <a:r>
-              <a:rPr lang="en-US" dirty="0"/>
-              <a:t> </a:t>
-            </a:r>
-            <a:r>
-              <a:rPr lang="en-US" dirty="0" err="1"/>
-              <a:t>elit</a:t>
-            </a:r>
-            <a:r>
-              <a:rPr lang="en-US" dirty="0"/>
-              <a:t>.</a:t>
-            </a:r>
-          </a:p>
-          <a:p>
-            <a:pPr algn="l"/>
-            <a:r>
-              <a:rPr lang="en-US" dirty="0" err="1"/>
-              <a:t>Aliquam</a:t>
-            </a:r>
-            <a:r>
-              <a:rPr lang="en-US" dirty="0"/>
-              <a:t> </a:t>
-            </a:r>
-            <a:r>
-              <a:rPr lang="en-US" dirty="0" err="1"/>
-              <a:t>tincidunt</a:t>
-            </a:r>
-            <a:r>
-              <a:rPr lang="en-US" dirty="0"/>
-              <a:t> </a:t>
-            </a:r>
-            <a:r>
-              <a:rPr lang="en-US" dirty="0" err="1"/>
-              <a:t>mauris</a:t>
-            </a:r>
-            <a:r>
-              <a:rPr lang="en-US" dirty="0"/>
-              <a:t> </a:t>
-            </a:r>
-            <a:r>
-              <a:rPr lang="en-US" dirty="0" err="1"/>
-              <a:t>eu</a:t>
-            </a:r>
-            <a:r>
-              <a:rPr lang="en-US" dirty="0"/>
-              <a:t> </a:t>
-            </a:r>
-            <a:r>
-              <a:rPr lang="en-US" dirty="0" err="1"/>
-              <a:t>risus</a:t>
-            </a:r>
-            <a:r>
-              <a:rPr lang="en-US" dirty="0"/>
-              <a:t>.</a:t>
-            </a:r>
-          </a:p>
-          <a:p>
-            <a:pPr algn="l"/>
-            <a:r>
-              <a:rPr lang="en-US" dirty="0"/>
-              <a:t>Lorem ipsum dolor sit </a:t>
-            </a:r>
-            <a:r>
-              <a:rPr lang="en-US" dirty="0" err="1"/>
-              <a:t>amet</a:t>
-            </a:r>
-            <a:r>
-              <a:rPr lang="en-US" dirty="0"/>
-              <a:t>, </a:t>
-            </a:r>
-            <a:r>
-              <a:rPr lang="en-US" dirty="0" err="1"/>
-              <a:t>consectetur</a:t>
-            </a:r>
-            <a:r>
-              <a:rPr lang="en-US" dirty="0"/>
-              <a:t> </a:t>
-            </a:r>
-            <a:r>
-              <a:rPr lang="en-US" dirty="0" err="1"/>
-              <a:t>adipiscing</a:t>
-            </a:r>
-            <a:r>
-              <a:rPr lang="en-US" dirty="0"/>
-              <a:t> </a:t>
-            </a:r>
-            <a:r>
-              <a:rPr lang="en-US" dirty="0" err="1"/>
-              <a:t>elit</a:t>
-            </a:r>
-            <a:r>
-              <a:rPr lang="en-US" dirty="0"/>
-              <a:t>. </a:t>
-            </a:r>
-            <a:r>
-              <a:rPr lang="en-US" dirty="0" err="1"/>
-              <a:t>Vivamus</a:t>
-            </a:r>
-            <a:r>
-              <a:rPr lang="en-US" dirty="0"/>
-              <a:t> magna. Cras in mi at </a:t>
-            </a:r>
-            <a:r>
-              <a:rPr lang="en-US" dirty="0" err="1"/>
-              <a:t>felis</a:t>
-            </a:r>
-            <a:r>
-              <a:rPr lang="en-US" dirty="0"/>
-              <a:t> </a:t>
-            </a:r>
-            <a:r>
-              <a:rPr lang="en-US" dirty="0" err="1"/>
-              <a:t>aliquet</a:t>
-            </a:r>
-            <a:r>
-              <a:rPr lang="en-US" dirty="0"/>
-              <a:t> </a:t>
-            </a:r>
-            <a:r>
-              <a:rPr lang="en-US" dirty="0" err="1"/>
-              <a:t>congue</a:t>
-            </a:r>
-            <a:r>
-              <a:rPr lang="en-US" dirty="0"/>
-              <a:t>. Ut a </a:t>
-            </a:r>
-            <a:r>
-              <a:rPr lang="en-US" dirty="0" err="1"/>
-              <a:t>est</a:t>
-            </a:r>
-            <a:r>
-              <a:rPr lang="en-US" dirty="0"/>
-              <a:t> </a:t>
-            </a:r>
-            <a:r>
-              <a:rPr lang="en-US" dirty="0" err="1"/>
-              <a:t>eget</a:t>
-            </a:r>
-            <a:r>
-              <a:rPr lang="en-US" dirty="0"/>
-              <a:t> ligula </a:t>
-            </a:r>
-            <a:r>
-              <a:rPr lang="en-US" dirty="0" err="1"/>
-              <a:t>molestie</a:t>
-            </a:r>
-            <a:r>
-              <a:rPr lang="en-US" dirty="0"/>
-              <a:t> gravida. </a:t>
-            </a:r>
-            <a:r>
-              <a:rPr lang="en-US" dirty="0" err="1"/>
-              <a:t>Curabitur</a:t>
-            </a:r>
-            <a:r>
-              <a:rPr lang="en-US" dirty="0"/>
-              <a:t> </a:t>
-            </a:r>
-            <a:r>
-              <a:rPr lang="en-US" dirty="0" err="1"/>
-              <a:t>massa</a:t>
-            </a:r>
-            <a:r>
-              <a:rPr lang="en-US" dirty="0"/>
-              <a:t>. </a:t>
-            </a:r>
-            <a:r>
-              <a:rPr lang="en-US" dirty="0" err="1"/>
-              <a:t>Donec</a:t>
-            </a:r>
-            <a:r>
-              <a:rPr lang="en-US" dirty="0"/>
-              <a:t> </a:t>
-            </a:r>
-            <a:r>
-              <a:rPr lang="en-US" dirty="0" err="1"/>
-              <a:t>eleifend</a:t>
-            </a:r>
-            <a:r>
-              <a:rPr lang="en-US" dirty="0"/>
-              <a:t>, libero at </a:t>
-            </a:r>
-            <a:r>
-              <a:rPr lang="en-US" dirty="0" err="1"/>
-              <a:t>sagittis</a:t>
-            </a:r>
-            <a:r>
-              <a:rPr lang="en-US" dirty="0"/>
-              <a:t> </a:t>
-            </a:r>
-            <a:r>
-              <a:rPr lang="en-US" dirty="0" err="1"/>
-              <a:t>mollis</a:t>
-            </a:r>
-            <a:r>
-              <a:rPr lang="en-US" dirty="0"/>
-              <a:t>, </a:t>
-            </a:r>
-            <a:r>
-              <a:rPr lang="en-US" dirty="0" err="1"/>
-              <a:t>tellus</a:t>
-            </a:r>
-            <a:r>
-              <a:rPr lang="en-US" dirty="0"/>
-              <a:t> </a:t>
-            </a:r>
-            <a:r>
-              <a:rPr lang="en-US" dirty="0" err="1"/>
-              <a:t>est</a:t>
-            </a:r>
-            <a:r>
-              <a:rPr lang="en-US" dirty="0"/>
-              <a:t> </a:t>
-            </a:r>
-            <a:r>
-              <a:rPr lang="en-US" dirty="0" err="1"/>
-              <a:t>malesuada</a:t>
-            </a:r>
-            <a:r>
-              <a:rPr lang="en-US" dirty="0"/>
-              <a:t> </a:t>
-            </a:r>
-            <a:r>
-              <a:rPr lang="en-US" dirty="0" err="1"/>
-              <a:t>tellus</a:t>
-            </a:r>
-            <a:r>
-              <a:rPr lang="en-US" dirty="0"/>
-              <a:t>, at </a:t>
-            </a:r>
-            <a:r>
-              <a:rPr lang="en-US" dirty="0" err="1"/>
-              <a:t>luctus</a:t>
-            </a:r>
-            <a:r>
-              <a:rPr lang="en-US" dirty="0"/>
-              <a:t> </a:t>
-            </a:r>
-            <a:r>
-              <a:rPr lang="en-US" dirty="0" err="1"/>
-              <a:t>turpis</a:t>
-            </a:r>
-            <a:r>
-              <a:rPr lang="en-US" dirty="0"/>
-              <a:t> </a:t>
-            </a:r>
-            <a:r>
-              <a:rPr lang="en-US" dirty="0" err="1"/>
-              <a:t>elit</a:t>
-            </a:r>
-            <a:r>
-              <a:rPr lang="en-US" dirty="0"/>
-              <a:t> sit </a:t>
-            </a:r>
-            <a:r>
-              <a:rPr lang="en-US" dirty="0" err="1"/>
-              <a:t>amet</a:t>
-            </a:r>
-            <a:r>
-              <a:rPr lang="en-US" dirty="0"/>
-              <a:t> </a:t>
-            </a:r>
-            <a:r>
-              <a:rPr lang="en-US" dirty="0" err="1"/>
-              <a:t>quam</a:t>
-            </a:r>
-            <a:r>
-              <a:rPr lang="en-US" dirty="0"/>
-              <a:t>. </a:t>
-            </a:r>
-            <a:r>
-              <a:rPr lang="en-US" dirty="0" err="1"/>
-              <a:t>Vivamus</a:t>
-            </a:r>
-            <a:r>
-              <a:rPr lang="en-US" dirty="0"/>
-              <a:t> </a:t>
-            </a:r>
-            <a:r>
-              <a:rPr lang="en-US" dirty="0" err="1"/>
-              <a:t>pretium</a:t>
-            </a:r>
-            <a:r>
-              <a:rPr lang="en-US" dirty="0"/>
-              <a:t> </a:t>
-            </a:r>
-            <a:r>
-              <a:rPr lang="en-US" dirty="0" err="1"/>
               <a:t>ornare</a:t>
             </a:r>
             <a:r>
@@ -4116,138 +3702,565 @@
               <a:t> est.</a:t>
             </a:r>
           </a:p>
-          <a:p>
-            <a:pPr algn="l"/>
-            <a:r>
-              <a:rPr lang="en-US" b="1" dirty="0"/>
-              <a:t>Header Level 3</a:t>
-            </a:r>
-          </a:p>
-          <a:p>
-            <a:pPr algn="l"/>
+        </p:txBody>
+      </p:sp>
+    </p:spTree>
+    <p:extLst>
+      <p:ext uri="{BB962C8B-B14F-4D97-AF65-F5344CB8AC3E}">
+        <p14:creationId xmlns:p14="http://schemas.microsoft.com/office/powerpoint/2010/main" val="2974578965"/>
+      </p:ext>
+    </p:extLst>
+  </p:cSld>
+  <p:clrMapOvr>
+    <a:masterClrMapping/>
+  </p:clrMapOvr>
+</p:sld>
+</file>
+
+<file path=ppt/slides/slide2.xml><?xml version="1.0" encoding="utf-8"?>
+<p:sld xmlns:a="http://schemas.openxmlformats.org/drawingml/2006/main" xmlns:r="http://schemas.openxmlformats.org/officeDocument/2006/relationships" xmlns:p="http://schemas.openxmlformats.org/presentationml/2006/main">
+  <p:cSld>
+    <p:spTree>
+      <p:nvGrpSpPr>
+        <p:cNvPr id="1" name=""/>
+        <p:cNvGrpSpPr/>
+        <p:nvPr/>
+      </p:nvGrpSpPr>
+      <p:grpSpPr>
+        <a:xfrm>
+          <a:off x="0" y="0"/>
+          <a:ext cx="0" cy="0"/>
+          <a:chOff x="0" y="0"/>
+          <a:chExt cx="0" cy="0"/>
+        </a:xfrm>
+      </p:grpSpPr>
+      <p:sp>
+        <p:nvSpPr>
+          <p:cNvPr id="2" name="Title 1">
+            <a:extLst>
+              <a:ext uri="{FF2B5EF4-FFF2-40B4-BE49-F238E27FC236}">
+                <a16:creationId xmlns:a16="http://schemas.microsoft.com/office/drawing/2014/main" id="{EF40DE84-E876-8844-A42B-6D6B540CF1E6}"/>
+              </a:ext>
+            </a:extLst>
+          </p:cNvPr>
+          <p:cNvSpPr>
+            <a:spLocks noGrp="1"/>
+          </p:cNvSpPr>
+          <p:nvPr>
+            <p:ph type="title"/>
+          </p:nvPr>
+        </p:nvSpPr>
+        <p:spPr/>
+        <p:txBody>
+          <a:bodyPr/>
+          <a:lstStyle/>
+          <a:p>
             <a:r>
               <a:rPr lang="en-US" dirty="0"/>
-              <a:t>Lorem ipsum dolor sit </a:t>
-            </a:r>
-            <a:r>
-              <a:rPr lang="en-US" dirty="0" err="1"/>
-              <a:t>amet</a:t>
-            </a:r>
-            <a:r>
-              <a:rPr lang="en-US" dirty="0"/>
-              <a:t>, </a:t>
-            </a:r>
-            <a:r>
-              <a:rPr lang="en-US" dirty="0" err="1"/>
-              <a:t>consectetuer</a:t>
-            </a:r>
-            <a:r>
-              <a:rPr lang="en-US" dirty="0"/>
-              <a:t> </a:t>
-            </a:r>
-            <a:r>
-              <a:rPr lang="en-US" dirty="0" err="1"/>
-              <a:t>adipiscing</a:t>
-            </a:r>
-            <a:r>
-              <a:rPr lang="en-US" dirty="0"/>
-              <a:t> </a:t>
-            </a:r>
-            <a:r>
-              <a:rPr lang="en-US" dirty="0" err="1"/>
-              <a:t>elit</a:t>
-            </a:r>
-            <a:r>
-              <a:rPr lang="en-US" dirty="0"/>
-              <a:t>.</a:t>
-            </a:r>
-          </a:p>
-          <a:p>
-            <a:pPr algn="l"/>
-            <a:r>
-              <a:rPr lang="en-US" dirty="0" err="1"/>
-              <a:t>Aliquam</a:t>
-            </a:r>
-            <a:r>
-              <a:rPr lang="en-US" dirty="0"/>
-              <a:t> </a:t>
-            </a:r>
-            <a:r>
-              <a:rPr lang="en-US" dirty="0" err="1"/>
-              <a:t>tincidunt</a:t>
-            </a:r>
-            <a:r>
-              <a:rPr lang="en-US" dirty="0"/>
-              <a:t> </a:t>
-            </a:r>
-            <a:r>
-              <a:rPr lang="en-US" dirty="0" err="1"/>
-              <a:t>mauris</a:t>
-            </a:r>
-            <a:r>
-              <a:rPr lang="en-US" dirty="0"/>
-              <a:t> </a:t>
-            </a:r>
-            <a:r>
-              <a:rPr lang="en-US" dirty="0" err="1"/>
-              <a:t>eu</a:t>
-            </a:r>
-            <a:r>
-              <a:rPr lang="en-US" dirty="0"/>
-              <a:t> </a:t>
-            </a:r>
-            <a:r>
-              <a:rPr lang="en-US" dirty="0" err="1"/>
-              <a:t>risus</a:t>
-            </a:r>
-            <a:r>
-              <a:rPr lang="en-US" dirty="0"/>
-              <a:t>.</a:t>
-            </a:r>
-          </a:p>
-          <a:p>
-            <a:pPr algn="l"/>
-            <a:r>
-              <a:rPr lang="en-US" dirty="0"/>
-              <a:t>#header h1 a { display: block; width: 300px; height: 80px; }</a:t>
+              <a:t>A slide with an image</a:t>
             </a:r>
           </a:p>
         </p:txBody>
       </p:sp>
       <p:pic>
         <p:nvPicPr>
-          <p:cNvPr id="5" name="Picture 4">
-            <a:extLst>
-              <a:ext uri="{FF2B5EF4-FFF2-40B4-BE49-F238E27FC236}">
-                <a16:creationId xmlns:a16="http://schemas.microsoft.com/office/drawing/2014/main" id="{D52EBA99-B345-2242-9EC9-D24868894206}"/>
+          <p:cNvPr id="1026" name="Picture 2" descr="metadata here">
+            <a:extLst>
+              <a:ext uri="{FF2B5EF4-FFF2-40B4-BE49-F238E27FC236}">
+                <a16:creationId xmlns:a16="http://schemas.microsoft.com/office/drawing/2014/main" id="{D2FDFAFF-4324-C94E-BABA-E958A1108213}"/>
               </a:ext>
             </a:extLst>
           </p:cNvPr>
           <p:cNvPicPr>
-            <a:picLocks noChangeAspect="1"/>
+            <a:picLocks noChangeAspect="1" noChangeArrowheads="1"/>
           </p:cNvPicPr>
           <p:nvPr/>
         </p:nvPicPr>
         <p:blipFill>
-          <a:blip r:embed="rId2"/>
+          <a:blip r:embed="rId2">
+            <a:extLst>
+              <a:ext uri="{28A0092B-C50C-407E-A947-70E740481C1C}">
+                <a14:useLocalDpi xmlns:a14="http://schemas.microsoft.com/office/drawing/2010/main" val="0"/>
+              </a:ext>
+            </a:extLst>
+          </a:blip>
+          <a:srcRect/>
           <a:stretch>
             <a:fillRect/>
           </a:stretch>
         </p:blipFill>
-        <p:spPr>
+        <p:spPr bwMode="auto">
           <a:xfrm>
-            <a:off x="8408542" y="2545492"/>
-            <a:ext cx="2679872" cy="3573162"/>
+            <a:off x="1463074" y="1882940"/>
+            <a:ext cx="4632926" cy="4632926"/>
           </a:xfrm>
           <a:prstGeom prst="rect">
             <a:avLst/>
           </a:prstGeom>
+          <a:noFill/>
+          <a:extLst>
+            <a:ext uri="{909E8E84-426E-40DD-AFC4-6F175D3DCCD1}">
+              <a14:hiddenFill xmlns:a14="http://schemas.microsoft.com/office/drawing/2010/main">
+                <a:solidFill>
+                  <a:srgbClr val="FFFFFF"/>
+                </a:solidFill>
+              </a14:hiddenFill>
+            </a:ext>
+          </a:extLst>
         </p:spPr>
       </p:pic>
     </p:spTree>
     <p:extLst>
       <p:ext uri="{BB962C8B-B14F-4D97-AF65-F5344CB8AC3E}">
-        <p14:creationId xmlns:p14="http://schemas.microsoft.com/office/powerpoint/2010/main" val="2550196066"/>
+        <p14:creationId xmlns:p14="http://schemas.microsoft.com/office/powerpoint/2010/main" val="1187698000"/>
+      </p:ext>
+    </p:extLst>
+  </p:cSld>
+  <p:clrMapOvr>
+    <a:masterClrMapping/>
+  </p:clrMapOvr>
+</p:sld>
+</file>
+
+<file path=ppt/slides/slide3.xml><?xml version="1.0" encoding="utf-8"?>
+<p:sld xmlns:a="http://schemas.openxmlformats.org/drawingml/2006/main" xmlns:r="http://schemas.openxmlformats.org/officeDocument/2006/relationships" xmlns:p="http://schemas.openxmlformats.org/presentationml/2006/main">
+  <p:cSld>
+    <p:spTree>
+      <p:nvGrpSpPr>
+        <p:cNvPr id="1" name=""/>
+        <p:cNvGrpSpPr/>
+        <p:nvPr/>
+      </p:nvGrpSpPr>
+      <p:grpSpPr>
+        <a:xfrm>
+          <a:off x="0" y="0"/>
+          <a:ext cx="0" cy="0"/>
+          <a:chOff x="0" y="0"/>
+          <a:chExt cx="0" cy="0"/>
+        </a:xfrm>
+      </p:grpSpPr>
+      <p:sp>
+        <p:nvSpPr>
+          <p:cNvPr id="2" name="Title 1">
+            <a:extLst>
+              <a:ext uri="{FF2B5EF4-FFF2-40B4-BE49-F238E27FC236}">
+                <a16:creationId xmlns:a16="http://schemas.microsoft.com/office/drawing/2014/main" id="{408860AB-97D6-8341-9987-DA081C581D31}"/>
+              </a:ext>
+            </a:extLst>
+          </p:cNvPr>
+          <p:cNvSpPr>
+            <a:spLocks noGrp="1"/>
+          </p:cNvSpPr>
+          <p:nvPr>
+            <p:ph type="title"/>
+          </p:nvPr>
+        </p:nvSpPr>
+        <p:spPr/>
+        <p:txBody>
+          <a:bodyPr/>
+          <a:lstStyle/>
+          <a:p>
+            <a:r>
+              <a:rPr lang="en-US" dirty="0"/>
+              <a:t>A demonstration table</a:t>
+            </a:r>
+          </a:p>
+        </p:txBody>
+      </p:sp>
+      <p:sp>
+        <p:nvSpPr>
+          <p:cNvPr id="5" name="Rectangle 1">
+            <a:extLst>
+              <a:ext uri="{FF2B5EF4-FFF2-40B4-BE49-F238E27FC236}">
+                <a16:creationId xmlns:a16="http://schemas.microsoft.com/office/drawing/2014/main" id="{29EDA677-8D22-5045-A6EB-E8103116319F}"/>
+              </a:ext>
+            </a:extLst>
+          </p:cNvPr>
+          <p:cNvSpPr>
+            <a:spLocks noChangeArrowheads="1"/>
+          </p:cNvSpPr>
+          <p:nvPr/>
+        </p:nvSpPr>
+        <p:spPr bwMode="auto">
+          <a:xfrm>
+            <a:off x="0" y="0"/>
+            <a:ext cx="12192000" cy="0"/>
+          </a:xfrm>
+          <a:prstGeom prst="rect">
+            <a:avLst/>
+          </a:prstGeom>
+          <a:noFill/>
+          <a:ln>
+            <a:noFill/>
+          </a:ln>
+          <a:effectLst/>
+          <a:extLst>
+            <a:ext uri="{909E8E84-426E-40DD-AFC4-6F175D3DCCD1}">
+              <a14:hiddenFill xmlns:a14="http://schemas.microsoft.com/office/drawing/2010/main">
+                <a:solidFill>
+                  <a:schemeClr val="accent1"/>
+                </a:solidFill>
+              </a14:hiddenFill>
+            </a:ext>
+            <a:ext uri="{91240B29-F687-4F45-9708-019B960494DF}">
+              <a14:hiddenLine xmlns:a14="http://schemas.microsoft.com/office/drawing/2010/main" w="9525">
+                <a:solidFill>
+                  <a:schemeClr val="tx1"/>
+                </a:solidFill>
+                <a:miter lim="800000"/>
+                <a:headEnd/>
+                <a:tailEnd/>
+              </a14:hiddenLine>
+            </a:ext>
+            <a:ext uri="{AF507438-7753-43E0-B8FC-AC1667EBCBE1}">
+              <a14:hiddenEffects xmlns:a14="http://schemas.microsoft.com/office/drawing/2010/main">
+                <a:effectLst>
+                  <a:outerShdw dist="35921" dir="2700000" algn="ctr" rotWithShape="0">
+                    <a:schemeClr val="bg2"/>
+                  </a:outerShdw>
+                </a:effectLst>
+              </a14:hiddenEffects>
+            </a:ext>
+          </a:extLst>
+        </p:spPr>
+        <p:txBody>
+          <a:bodyPr vert="horz" wrap="none" lIns="91440" tIns="45720" rIns="91440" bIns="45720" numCol="1" anchor="ctr" anchorCtr="0" compatLnSpc="1">
+            <a:prstTxWarp prst="textNoShape">
+              <a:avLst/>
+            </a:prstTxWarp>
+            <a:spAutoFit/>
+          </a:bodyPr>
+          <a:lstStyle/>
+          <a:p>
+            <a:pPr marL="0" marR="0" lvl="0" indent="0" algn="l" defTabSz="914400" rtl="0" eaLnBrk="0" fontAlgn="base" latinLnBrk="0" hangingPunct="0">
+              <a:lnSpc>
+                <a:spcPct val="100000"/>
+              </a:lnSpc>
+              <a:spcBef>
+                <a:spcPct val="0"/>
+              </a:spcBef>
+              <a:spcAft>
+                <a:spcPct val="0"/>
+              </a:spcAft>
+              <a:buClrTx/>
+              <a:buSzTx/>
+              <a:buFontTx/>
+              <a:buNone/>
+              <a:tabLst/>
+            </a:pPr>
+            <a:br>
+              <a:rPr kumimoji="0" lang="en-US" altLang="en-US" sz="1800" b="0" i="0" u="none" strike="noStrike" cap="none" normalizeH="0" baseline="0">
+                <a:ln>
+                  <a:noFill/>
+                </a:ln>
+                <a:solidFill>
+                  <a:schemeClr val="tx1"/>
+                </a:solidFill>
+                <a:effectLst/>
+                <a:latin typeface="Arial" panose="020B0604020202020204" pitchFamily="34" charset="0"/>
+              </a:rPr>
+            </a:br>
+            <a:endParaRPr kumimoji="0" lang="en-US" altLang="en-US" sz="1800" b="0" i="0" u="none" strike="noStrike" cap="none" normalizeH="0" baseline="0">
+              <a:ln>
+                <a:noFill/>
+              </a:ln>
+              <a:solidFill>
+                <a:schemeClr val="tx1"/>
+              </a:solidFill>
+              <a:effectLst/>
+              <a:latin typeface="Arial" panose="020B0604020202020204" pitchFamily="34" charset="0"/>
+            </a:endParaRPr>
+          </a:p>
+        </p:txBody>
+      </p:sp>
+      <p:graphicFrame>
+        <p:nvGraphicFramePr>
+          <p:cNvPr id="7" name="Content Placeholder 6">
+            <a:extLst>
+              <a:ext uri="{FF2B5EF4-FFF2-40B4-BE49-F238E27FC236}">
+                <a16:creationId xmlns:a16="http://schemas.microsoft.com/office/drawing/2014/main" id="{71D560AE-3251-3146-8719-0B11BB5D689C}"/>
+              </a:ext>
+            </a:extLst>
+          </p:cNvPr>
+          <p:cNvGraphicFramePr>
+            <a:graphicFrameLocks noGrp="1"/>
+          </p:cNvGraphicFramePr>
+          <p:nvPr>
+            <p:ph idx="1"/>
+            <p:extLst>
+              <p:ext uri="{D42A27DB-BD31-4B8C-83A1-F6EECF244321}">
+                <p14:modId xmlns:p14="http://schemas.microsoft.com/office/powerpoint/2010/main" val="1493476950"/>
+              </p:ext>
+            </p:extLst>
+          </p:nvPr>
+        </p:nvGraphicFramePr>
+        <p:xfrm>
+          <a:off x="838200" y="1825625"/>
+          <a:ext cx="10515600" cy="741680"/>
+        </p:xfrm>
+        <a:graphic>
+          <a:graphicData uri="http://schemas.openxmlformats.org/drawingml/2006/table">
+            <a:tbl>
+              <a:tblPr firstRow="1" bandRow="1">
+                <a:tableStyleId>{5C22544A-7EE6-4342-B048-85BDC9FD1C3A}</a:tableStyleId>
+              </a:tblPr>
+              <a:tblGrid>
+                <a:gridCol w="2103120">
+                  <a:extLst>
+                    <a:ext uri="{9D8B030D-6E8A-4147-A177-3AD203B41FA5}">
+                      <a16:colId xmlns:a16="http://schemas.microsoft.com/office/drawing/2014/main" val="630908666"/>
+                    </a:ext>
+                  </a:extLst>
+                </a:gridCol>
+                <a:gridCol w="2103120">
+                  <a:extLst>
+                    <a:ext uri="{9D8B030D-6E8A-4147-A177-3AD203B41FA5}">
+                      <a16:colId xmlns:a16="http://schemas.microsoft.com/office/drawing/2014/main" val="3779530557"/>
+                    </a:ext>
+                  </a:extLst>
+                </a:gridCol>
+                <a:gridCol w="2103120">
+                  <a:extLst>
+                    <a:ext uri="{9D8B030D-6E8A-4147-A177-3AD203B41FA5}">
+                      <a16:colId xmlns:a16="http://schemas.microsoft.com/office/drawing/2014/main" val="1148243692"/>
+                    </a:ext>
+                  </a:extLst>
+                </a:gridCol>
+                <a:gridCol w="2103120">
+                  <a:extLst>
+                    <a:ext uri="{9D8B030D-6E8A-4147-A177-3AD203B41FA5}">
+                      <a16:colId xmlns:a16="http://schemas.microsoft.com/office/drawing/2014/main" val="1714098594"/>
+                    </a:ext>
+                  </a:extLst>
+                </a:gridCol>
+                <a:gridCol w="2103120">
+                  <a:extLst>
+                    <a:ext uri="{9D8B030D-6E8A-4147-A177-3AD203B41FA5}">
+                      <a16:colId xmlns:a16="http://schemas.microsoft.com/office/drawing/2014/main" val="2763138682"/>
+                    </a:ext>
+                  </a:extLst>
+                </a:gridCol>
+              </a:tblGrid>
+              <a:tr h="370840">
+                <a:tc>
+                  <a:txBody>
+                    <a:bodyPr/>
+                    <a:lstStyle/>
+                    <a:p>
+                      <a:r>
+                        <a:rPr lang="en-US" dirty="0"/>
+                        <a:t>Column 1</a:t>
+                      </a:r>
+                    </a:p>
+                  </a:txBody>
+                  <a:tcPr/>
+                </a:tc>
+                <a:tc>
+                  <a:txBody>
+                    <a:bodyPr/>
+                    <a:lstStyle/>
+                    <a:p>
+                      <a:r>
+                        <a:rPr lang="en-US" dirty="0"/>
+                        <a:t>Column 2</a:t>
+                      </a:r>
+                    </a:p>
+                  </a:txBody>
+                  <a:tcPr/>
+                </a:tc>
+                <a:tc>
+                  <a:txBody>
+                    <a:bodyPr/>
+                    <a:lstStyle/>
+                    <a:p>
+                      <a:r>
+                        <a:rPr lang="en-US" dirty="0"/>
+                        <a:t>Column 3</a:t>
+                      </a:r>
+                    </a:p>
+                  </a:txBody>
+                  <a:tcPr/>
+                </a:tc>
+                <a:tc>
+                  <a:txBody>
+                    <a:bodyPr/>
+                    <a:lstStyle/>
+                    <a:p>
+                      <a:r>
+                        <a:rPr lang="en-US" dirty="0"/>
+                        <a:t>Column 4</a:t>
+                      </a:r>
+                    </a:p>
+                  </a:txBody>
+                  <a:tcPr/>
+                </a:tc>
+                <a:tc>
+                  <a:txBody>
+                    <a:bodyPr/>
+                    <a:lstStyle/>
+                    <a:p>
+                      <a:r>
+                        <a:rPr lang="en-US" dirty="0"/>
+                        <a:t>Column 5</a:t>
+                      </a:r>
+                    </a:p>
+                  </a:txBody>
+                  <a:tcPr/>
+                </a:tc>
+                <a:extLst>
+                  <a:ext uri="{0D108BD9-81ED-4DB2-BD59-A6C34878D82A}">
+                    <a16:rowId xmlns:a16="http://schemas.microsoft.com/office/drawing/2014/main" val="1772331763"/>
+                  </a:ext>
+                </a:extLst>
+              </a:tr>
+              <a:tr h="370840">
+                <a:tc>
+                  <a:txBody>
+                    <a:bodyPr/>
+                    <a:lstStyle/>
+                    <a:p>
+                      <a:r>
+                        <a:rPr lang="en-US" dirty="0"/>
+                        <a:t>Row 1 data</a:t>
+                      </a:r>
+                    </a:p>
+                  </a:txBody>
+                  <a:tcPr/>
+                </a:tc>
+                <a:tc>
+                  <a:txBody>
+                    <a:bodyPr/>
+                    <a:lstStyle/>
+                    <a:p>
+                      <a:pPr marL="0" marR="0" lvl="0" indent="0" algn="l" defTabSz="914400" rtl="0" eaLnBrk="1" fontAlgn="auto" latinLnBrk="0" hangingPunct="1">
+                        <a:lnSpc>
+                          <a:spcPct val="100000"/>
+                        </a:lnSpc>
+                        <a:spcBef>
+                          <a:spcPts val="0"/>
+                        </a:spcBef>
+                        <a:spcAft>
+                          <a:spcPts val="0"/>
+                        </a:spcAft>
+                        <a:buClrTx/>
+                        <a:buSzTx/>
+                        <a:buFontTx/>
+                        <a:buNone/>
+                        <a:tabLst/>
+                        <a:defRPr/>
+                      </a:pPr>
+                      <a:r>
+                        <a:rPr lang="en-US" dirty="0"/>
+                        <a:t>Row 2 data</a:t>
+                      </a:r>
+                    </a:p>
+                  </a:txBody>
+                  <a:tcPr/>
+                </a:tc>
+                <a:tc>
+                  <a:txBody>
+                    <a:bodyPr/>
+                    <a:lstStyle/>
+                    <a:p>
+                      <a:pPr marL="0" marR="0" lvl="0" indent="0" algn="l" defTabSz="914400" rtl="0" eaLnBrk="1" fontAlgn="auto" latinLnBrk="0" hangingPunct="1">
+                        <a:lnSpc>
+                          <a:spcPct val="100000"/>
+                        </a:lnSpc>
+                        <a:spcBef>
+                          <a:spcPts val="0"/>
+                        </a:spcBef>
+                        <a:spcAft>
+                          <a:spcPts val="0"/>
+                        </a:spcAft>
+                        <a:buClrTx/>
+                        <a:buSzTx/>
+                        <a:buFontTx/>
+                        <a:buNone/>
+                        <a:tabLst/>
+                        <a:defRPr/>
+                      </a:pPr>
+                      <a:r>
+                        <a:rPr lang="en-US" dirty="0"/>
+                        <a:t>Row 3 data</a:t>
+                      </a:r>
+                    </a:p>
+                  </a:txBody>
+                  <a:tcPr/>
+                </a:tc>
+                <a:tc>
+                  <a:txBody>
+                    <a:bodyPr/>
+                    <a:lstStyle/>
+                    <a:p>
+                      <a:pPr marL="0" marR="0" lvl="0" indent="0" algn="l" defTabSz="914400" rtl="0" eaLnBrk="1" fontAlgn="auto" latinLnBrk="0" hangingPunct="1">
+                        <a:lnSpc>
+                          <a:spcPct val="100000"/>
+                        </a:lnSpc>
+                        <a:spcBef>
+                          <a:spcPts val="0"/>
+                        </a:spcBef>
+                        <a:spcAft>
+                          <a:spcPts val="0"/>
+                        </a:spcAft>
+                        <a:buClrTx/>
+                        <a:buSzTx/>
+                        <a:buFontTx/>
+                        <a:buNone/>
+                        <a:tabLst/>
+                        <a:defRPr/>
+                      </a:pPr>
+                      <a:r>
+                        <a:rPr lang="en-US" dirty="0"/>
+                        <a:t>Row 4 data</a:t>
+                      </a:r>
+                    </a:p>
+                  </a:txBody>
+                  <a:tcPr/>
+                </a:tc>
+                <a:tc>
+                  <a:txBody>
+                    <a:bodyPr/>
+                    <a:lstStyle/>
+                    <a:p>
+                      <a:pPr marL="0" marR="0" lvl="0" indent="0" algn="l" defTabSz="914400" rtl="0" eaLnBrk="1" fontAlgn="auto" latinLnBrk="0" hangingPunct="1">
+                        <a:lnSpc>
+                          <a:spcPct val="100000"/>
+                        </a:lnSpc>
+                        <a:spcBef>
+                          <a:spcPts val="0"/>
+                        </a:spcBef>
+                        <a:spcAft>
+                          <a:spcPts val="0"/>
+                        </a:spcAft>
+                        <a:buClrTx/>
+                        <a:buSzTx/>
+                        <a:buFontTx/>
+                        <a:buNone/>
+                        <a:tabLst/>
+                        <a:defRPr/>
+                      </a:pPr>
+                      <a:r>
+                        <a:rPr lang="en-US"/>
+                        <a:t>Row 5 data</a:t>
+                      </a:r>
+                    </a:p>
+                  </a:txBody>
+                  <a:tcPr/>
+                </a:tc>
+                <a:extLst>
+                  <a:ext uri="{0D108BD9-81ED-4DB2-BD59-A6C34878D82A}">
+                    <a16:rowId xmlns:a16="http://schemas.microsoft.com/office/drawing/2014/main" val="3071719681"/>
+                  </a:ext>
+                </a:extLst>
+              </a:tr>
+            </a:tbl>
+          </a:graphicData>
+        </a:graphic>
+      </p:graphicFrame>
+    </p:spTree>
+    <p:extLst>
+      <p:ext uri="{BB962C8B-B14F-4D97-AF65-F5344CB8AC3E}">
+        <p14:creationId xmlns:p14="http://schemas.microsoft.com/office/powerpoint/2010/main" val="2039354754"/>
       </p:ext>
     </p:extLst>
   </p:cSld>
